--- a/output/figure/図表.pptx
+++ b/output/figure/図表.pptx
@@ -6,8 +6,6 @@
   </p:sldMasterIdLst>
   <p:sldIdLst>
     <p:sldId id="256" r:id="rId2"/>
-    <p:sldId id="257" r:id="rId3"/>
-    <p:sldId id="258" r:id="rId4"/>
   </p:sldIdLst>
   <p:sldSz cx="9144000" cy="6858000" type="screen4x3"/>
   <p:notesSz cx="6858000" cy="9144000"/>
@@ -245,7 +243,7 @@
           <a:p>
             <a:fld id="{FD2B872F-2275-3840-97FD-CEADB1EE0156}" type="datetimeFigureOut">
               <a:rPr kumimoji="1" lang="ja-JP" altLang="en-US" smtClean="0"/>
-              <a:t>2023/9/2</a:t>
+              <a:t>2024/9/15</a:t>
             </a:fld>
             <a:endParaRPr kumimoji="1" lang="ja-JP" altLang="en-US"/>
           </a:p>
@@ -447,7 +445,7 @@
           <a:p>
             <a:fld id="{FD2B872F-2275-3840-97FD-CEADB1EE0156}" type="datetimeFigureOut">
               <a:rPr kumimoji="1" lang="ja-JP" altLang="en-US" smtClean="0"/>
-              <a:t>2023/9/2</a:t>
+              <a:t>2024/9/15</a:t>
             </a:fld>
             <a:endParaRPr kumimoji="1" lang="ja-JP" altLang="en-US"/>
           </a:p>
@@ -659,7 +657,7 @@
           <a:p>
             <a:fld id="{FD2B872F-2275-3840-97FD-CEADB1EE0156}" type="datetimeFigureOut">
               <a:rPr kumimoji="1" lang="ja-JP" altLang="en-US" smtClean="0"/>
-              <a:t>2023/9/2</a:t>
+              <a:t>2024/9/15</a:t>
             </a:fld>
             <a:endParaRPr kumimoji="1" lang="ja-JP" altLang="en-US"/>
           </a:p>
@@ -861,7 +859,7 @@
           <a:p>
             <a:fld id="{FD2B872F-2275-3840-97FD-CEADB1EE0156}" type="datetimeFigureOut">
               <a:rPr kumimoji="1" lang="ja-JP" altLang="en-US" smtClean="0"/>
-              <a:t>2023/9/2</a:t>
+              <a:t>2024/9/15</a:t>
             </a:fld>
             <a:endParaRPr kumimoji="1" lang="ja-JP" altLang="en-US"/>
           </a:p>
@@ -1105,7 +1103,7 @@
           <a:p>
             <a:fld id="{FD2B872F-2275-3840-97FD-CEADB1EE0156}" type="datetimeFigureOut">
               <a:rPr kumimoji="1" lang="ja-JP" altLang="en-US" smtClean="0"/>
-              <a:t>2023/9/2</a:t>
+              <a:t>2024/9/15</a:t>
             </a:fld>
             <a:endParaRPr kumimoji="1" lang="ja-JP" altLang="en-US"/>
           </a:p>
@@ -1401,7 +1399,7 @@
           <a:p>
             <a:fld id="{FD2B872F-2275-3840-97FD-CEADB1EE0156}" type="datetimeFigureOut">
               <a:rPr kumimoji="1" lang="ja-JP" altLang="en-US" smtClean="0"/>
-              <a:t>2023/9/2</a:t>
+              <a:t>2024/9/15</a:t>
             </a:fld>
             <a:endParaRPr kumimoji="1" lang="ja-JP" altLang="en-US"/>
           </a:p>
@@ -1832,7 +1830,7 @@
           <a:p>
             <a:fld id="{FD2B872F-2275-3840-97FD-CEADB1EE0156}" type="datetimeFigureOut">
               <a:rPr kumimoji="1" lang="ja-JP" altLang="en-US" smtClean="0"/>
-              <a:t>2023/9/2</a:t>
+              <a:t>2024/9/15</a:t>
             </a:fld>
             <a:endParaRPr kumimoji="1" lang="ja-JP" altLang="en-US"/>
           </a:p>
@@ -1950,7 +1948,7 @@
           <a:p>
             <a:fld id="{FD2B872F-2275-3840-97FD-CEADB1EE0156}" type="datetimeFigureOut">
               <a:rPr kumimoji="1" lang="ja-JP" altLang="en-US" smtClean="0"/>
-              <a:t>2023/9/2</a:t>
+              <a:t>2024/9/15</a:t>
             </a:fld>
             <a:endParaRPr kumimoji="1" lang="ja-JP" altLang="en-US"/>
           </a:p>
@@ -2045,7 +2043,7 @@
           <a:p>
             <a:fld id="{FD2B872F-2275-3840-97FD-CEADB1EE0156}" type="datetimeFigureOut">
               <a:rPr kumimoji="1" lang="ja-JP" altLang="en-US" smtClean="0"/>
-              <a:t>2023/9/2</a:t>
+              <a:t>2024/9/15</a:t>
             </a:fld>
             <a:endParaRPr kumimoji="1" lang="ja-JP" altLang="en-US"/>
           </a:p>
@@ -2354,7 +2352,7 @@
           <a:p>
             <a:fld id="{FD2B872F-2275-3840-97FD-CEADB1EE0156}" type="datetimeFigureOut">
               <a:rPr kumimoji="1" lang="ja-JP" altLang="en-US" smtClean="0"/>
-              <a:t>2023/9/2</a:t>
+              <a:t>2024/9/15</a:t>
             </a:fld>
             <a:endParaRPr kumimoji="1" lang="ja-JP" altLang="en-US"/>
           </a:p>
@@ -2611,7 +2609,7 @@
           <a:p>
             <a:fld id="{FD2B872F-2275-3840-97FD-CEADB1EE0156}" type="datetimeFigureOut">
               <a:rPr kumimoji="1" lang="ja-JP" altLang="en-US" smtClean="0"/>
-              <a:t>2023/9/2</a:t>
+              <a:t>2024/9/15</a:t>
             </a:fld>
             <a:endParaRPr kumimoji="1" lang="ja-JP" altLang="en-US"/>
           </a:p>
@@ -2856,7 +2854,7 @@
           <a:p>
             <a:fld id="{FD2B872F-2275-3840-97FD-CEADB1EE0156}" type="datetimeFigureOut">
               <a:rPr kumimoji="1" lang="ja-JP" altLang="en-US" smtClean="0"/>
-              <a:t>2023/9/2</a:t>
+              <a:t>2024/9/15</a:t>
             </a:fld>
             <a:endParaRPr kumimoji="1" lang="ja-JP" altLang="en-US"/>
           </a:p>
@@ -3321,102 +3319,12 @@
           </a:prstGeom>
         </p:spPr>
       </p:pic>
-    </p:spTree>
-    <p:extLst>
-      <p:ext uri="{BB962C8B-B14F-4D97-AF65-F5344CB8AC3E}">
-        <p14:creationId xmlns:p14="http://schemas.microsoft.com/office/powerpoint/2010/main" val="3438606460"/>
-      </p:ext>
-    </p:extLst>
-  </p:cSld>
-  <p:clrMapOvr>
-    <a:masterClrMapping/>
-  </p:clrMapOvr>
-</p:sld>
-</file>
-
-<file path=ppt/slides/slide2.xml><?xml version="1.0" encoding="utf-8"?>
-<p:sld xmlns:a="http://schemas.openxmlformats.org/drawingml/2006/main" xmlns:r="http://schemas.openxmlformats.org/officeDocument/2006/relationships" xmlns:p="http://schemas.openxmlformats.org/presentationml/2006/main" show="0">
-  <p:cSld>
-    <p:spTree>
-      <p:nvGrpSpPr>
-        <p:cNvPr id="1" name=""/>
-        <p:cNvGrpSpPr/>
-        <p:nvPr/>
-      </p:nvGrpSpPr>
-      <p:grpSpPr>
-        <a:xfrm>
-          <a:off x="0" y="0"/>
-          <a:ext cx="0" cy="0"/>
-          <a:chOff x="0" y="0"/>
-          <a:chExt cx="0" cy="0"/>
-        </a:xfrm>
-      </p:grpSpPr>
-      <p:pic>
-        <p:nvPicPr>
-          <p:cNvPr id="2" name="図 1" descr="グラフ, 箱ひげ図&#10;&#10;自動的に生成された説明">
+      <p:sp>
+        <p:nvSpPr>
+          <p:cNvPr id="2" name="テキスト ボックス 1">
             <a:extLst>
               <a:ext uri="{FF2B5EF4-FFF2-40B4-BE49-F238E27FC236}">
-                <a16:creationId xmlns:a16="http://schemas.microsoft.com/office/drawing/2014/main" id="{AD529877-72B1-212E-D7A1-17F4FF4F601D}"/>
-              </a:ext>
-            </a:extLst>
-          </p:cNvPr>
-          <p:cNvPicPr>
-            <a:picLocks noChangeAspect="1"/>
-          </p:cNvPicPr>
-          <p:nvPr/>
-        </p:nvPicPr>
-        <p:blipFill>
-          <a:blip r:embed="rId2"/>
-          <a:stretch>
-            <a:fillRect/>
-          </a:stretch>
-        </p:blipFill>
-        <p:spPr>
-          <a:xfrm>
-            <a:off x="1828800" y="3460652"/>
-            <a:ext cx="5486400" cy="2743200"/>
-          </a:xfrm>
-          <a:prstGeom prst="rect">
-            <a:avLst/>
-          </a:prstGeom>
-        </p:spPr>
-      </p:pic>
-      <p:pic>
-        <p:nvPicPr>
-          <p:cNvPr id="4" name="図 3" descr="グラフ, 箱ひげ図&#10;&#10;自動的に生成された説明">
-            <a:extLst>
-              <a:ext uri="{FF2B5EF4-FFF2-40B4-BE49-F238E27FC236}">
-                <a16:creationId xmlns:a16="http://schemas.microsoft.com/office/drawing/2014/main" id="{C19F7F83-DCF5-F974-3EDD-89BEB62D319B}"/>
-              </a:ext>
-            </a:extLst>
-          </p:cNvPr>
-          <p:cNvPicPr>
-            <a:picLocks noChangeAspect="1"/>
-          </p:cNvPicPr>
-          <p:nvPr/>
-        </p:nvPicPr>
-        <p:blipFill>
-          <a:blip r:embed="rId3"/>
-          <a:stretch>
-            <a:fillRect/>
-          </a:stretch>
-        </p:blipFill>
-        <p:spPr>
-          <a:xfrm>
-            <a:off x="1828800" y="297208"/>
-            <a:ext cx="5486400" cy="2743200"/>
-          </a:xfrm>
-          <a:prstGeom prst="rect">
-            <a:avLst/>
-          </a:prstGeom>
-        </p:spPr>
-      </p:pic>
-      <p:sp>
-        <p:nvSpPr>
-          <p:cNvPr id="6" name="テキスト ボックス 5">
-            <a:extLst>
-              <a:ext uri="{FF2B5EF4-FFF2-40B4-BE49-F238E27FC236}">
-                <a16:creationId xmlns:a16="http://schemas.microsoft.com/office/drawing/2014/main" id="{77D6750D-BE66-2F39-DC5B-8F12D8AE6495}"/>
+                <a16:creationId xmlns:a16="http://schemas.microsoft.com/office/drawing/2014/main" id="{D555A6FE-185E-061A-CB79-A9C4C8BE1D59}"/>
               </a:ext>
             </a:extLst>
           </p:cNvPr>
@@ -3425,8 +3333,8 @@
         </p:nvSpPr>
         <p:spPr>
           <a:xfrm>
-            <a:off x="4248834" y="3020982"/>
-            <a:ext cx="646331" cy="369332"/>
+            <a:off x="1782558" y="915445"/>
+            <a:ext cx="1154483" cy="400110"/>
           </a:xfrm>
           <a:prstGeom prst="rect">
             <a:avLst/>
@@ -3441,18 +3349,25 @@
           <a:p>
             <a:pPr algn="ctr"/>
             <a:r>
-              <a:rPr kumimoji="1" lang="ja-JP" altLang="en-US"/>
-              <a:t>鎖型</a:t>
-            </a:r>
-          </a:p>
-        </p:txBody>
-      </p:sp>
-      <p:sp>
-        <p:nvSpPr>
-          <p:cNvPr id="7" name="テキスト ボックス 6">
+              <a:rPr kumimoji="1" lang="en-US" altLang="ja-JP" sz="2000" dirty="0">
+                <a:latin typeface="Helvetica" pitchFamily="2" charset="0"/>
+                <a:cs typeface="Arial Narrow" panose="020B0604020202020204" pitchFamily="34" charset="0"/>
+              </a:rPr>
+              <a:t>Random</a:t>
+            </a:r>
+            <a:endParaRPr kumimoji="1" lang="ja-JP" altLang="en-US" sz="2000">
+              <a:latin typeface="Helvetica" pitchFamily="2" charset="0"/>
+              <a:cs typeface="Arial Narrow" panose="020B0604020202020204" pitchFamily="34" charset="0"/>
+            </a:endParaRPr>
+          </a:p>
+        </p:txBody>
+      </p:sp>
+      <p:sp>
+        <p:nvSpPr>
+          <p:cNvPr id="4" name="テキスト ボックス 3">
             <a:extLst>
               <a:ext uri="{FF2B5EF4-FFF2-40B4-BE49-F238E27FC236}">
-                <a16:creationId xmlns:a16="http://schemas.microsoft.com/office/drawing/2014/main" id="{A343634F-0A7D-EE1A-FD11-3EFA21702FDD}"/>
+                <a16:creationId xmlns:a16="http://schemas.microsoft.com/office/drawing/2014/main" id="{A3B474B2-8030-2DB2-537C-90789F109491}"/>
               </a:ext>
             </a:extLst>
           </p:cNvPr>
@@ -3461,8 +3376,8 @@
         </p:nvSpPr>
         <p:spPr>
           <a:xfrm>
-            <a:off x="3902586" y="6191460"/>
-            <a:ext cx="1338828" cy="369332"/>
+            <a:off x="6356038" y="915445"/>
+            <a:ext cx="856325" cy="400110"/>
           </a:xfrm>
           <a:prstGeom prst="rect">
             <a:avLst/>
@@ -3477,178 +3392,23 @@
           <a:p>
             <a:pPr algn="ctr"/>
             <a:r>
-              <a:rPr kumimoji="1" lang="ja-JP" altLang="en-US"/>
-              <a:t>ランダム型</a:t>
-            </a:r>
+              <a:rPr kumimoji="1" lang="en-US" altLang="ja-JP" sz="2000" dirty="0">
+                <a:latin typeface="Helvetica" pitchFamily="2" charset="0"/>
+                <a:cs typeface="Arial Narrow" panose="020B0604020202020204" pitchFamily="34" charset="0"/>
+              </a:rPr>
+              <a:t>Chain</a:t>
+            </a:r>
+            <a:endParaRPr kumimoji="1" lang="ja-JP" altLang="en-US" sz="2000">
+              <a:latin typeface="Helvetica" pitchFamily="2" charset="0"/>
+              <a:cs typeface="Arial Narrow" panose="020B0604020202020204" pitchFamily="34" charset="0"/>
+            </a:endParaRPr>
           </a:p>
         </p:txBody>
       </p:sp>
     </p:spTree>
     <p:extLst>
       <p:ext uri="{BB962C8B-B14F-4D97-AF65-F5344CB8AC3E}">
-        <p14:creationId xmlns:p14="http://schemas.microsoft.com/office/powerpoint/2010/main" val="3548110974"/>
-      </p:ext>
-    </p:extLst>
-  </p:cSld>
-  <p:clrMapOvr>
-    <a:masterClrMapping/>
-  </p:clrMapOvr>
-</p:sld>
-</file>
-
-<file path=ppt/slides/slide3.xml><?xml version="1.0" encoding="utf-8"?>
-<p:sld xmlns:a="http://schemas.openxmlformats.org/drawingml/2006/main" xmlns:r="http://schemas.openxmlformats.org/officeDocument/2006/relationships" xmlns:p="http://schemas.openxmlformats.org/presentationml/2006/main" show="0">
-  <p:cSld>
-    <p:spTree>
-      <p:nvGrpSpPr>
-        <p:cNvPr id="1" name=""/>
-        <p:cNvGrpSpPr/>
-        <p:nvPr/>
-      </p:nvGrpSpPr>
-      <p:grpSpPr>
-        <a:xfrm>
-          <a:off x="0" y="0"/>
-          <a:ext cx="0" cy="0"/>
-          <a:chOff x="0" y="0"/>
-          <a:chExt cx="0" cy="0"/>
-        </a:xfrm>
-      </p:grpSpPr>
-      <p:sp>
-        <p:nvSpPr>
-          <p:cNvPr id="6" name="テキスト ボックス 5">
-            <a:extLst>
-              <a:ext uri="{FF2B5EF4-FFF2-40B4-BE49-F238E27FC236}">
-                <a16:creationId xmlns:a16="http://schemas.microsoft.com/office/drawing/2014/main" id="{77D6750D-BE66-2F39-DC5B-8F12D8AE6495}"/>
-              </a:ext>
-            </a:extLst>
-          </p:cNvPr>
-          <p:cNvSpPr txBox="1"/>
-          <p:nvPr/>
-        </p:nvSpPr>
-        <p:spPr>
-          <a:xfrm>
-            <a:off x="1929686" y="4972582"/>
-            <a:ext cx="646331" cy="369332"/>
-          </a:xfrm>
-          <a:prstGeom prst="rect">
-            <a:avLst/>
-          </a:prstGeom>
-          <a:noFill/>
-        </p:spPr>
-        <p:txBody>
-          <a:bodyPr wrap="none" rtlCol="0">
-            <a:spAutoFit/>
-          </a:bodyPr>
-          <a:lstStyle/>
-          <a:p>
-            <a:pPr algn="ctr"/>
-            <a:r>
-              <a:rPr kumimoji="1" lang="ja-JP" altLang="en-US"/>
-              <a:t>鎖型</a:t>
-            </a:r>
-          </a:p>
-        </p:txBody>
-      </p:sp>
-      <p:sp>
-        <p:nvSpPr>
-          <p:cNvPr id="7" name="テキスト ボックス 6">
-            <a:extLst>
-              <a:ext uri="{FF2B5EF4-FFF2-40B4-BE49-F238E27FC236}">
-                <a16:creationId xmlns:a16="http://schemas.microsoft.com/office/drawing/2014/main" id="{A343634F-0A7D-EE1A-FD11-3EFA21702FDD}"/>
-              </a:ext>
-            </a:extLst>
-          </p:cNvPr>
-          <p:cNvSpPr txBox="1"/>
-          <p:nvPr/>
-        </p:nvSpPr>
-        <p:spPr>
-          <a:xfrm>
-            <a:off x="6221736" y="4972582"/>
-            <a:ext cx="1338828" cy="369332"/>
-          </a:xfrm>
-          <a:prstGeom prst="rect">
-            <a:avLst/>
-          </a:prstGeom>
-          <a:noFill/>
-        </p:spPr>
-        <p:txBody>
-          <a:bodyPr wrap="none" rtlCol="0">
-            <a:spAutoFit/>
-          </a:bodyPr>
-          <a:lstStyle/>
-          <a:p>
-            <a:pPr algn="ctr"/>
-            <a:r>
-              <a:rPr kumimoji="1" lang="ja-JP" altLang="en-US"/>
-              <a:t>ランダム型</a:t>
-            </a:r>
-          </a:p>
-        </p:txBody>
-      </p:sp>
-      <p:pic>
-        <p:nvPicPr>
-          <p:cNvPr id="5" name="図 4" descr="グラフ&#10;&#10;自動的に生成された説明">
-            <a:extLst>
-              <a:ext uri="{FF2B5EF4-FFF2-40B4-BE49-F238E27FC236}">
-                <a16:creationId xmlns:a16="http://schemas.microsoft.com/office/drawing/2014/main" id="{73C6E535-4FF7-99B0-6F4F-4D7CB8B79A05}"/>
-              </a:ext>
-            </a:extLst>
-          </p:cNvPr>
-          <p:cNvPicPr>
-            <a:picLocks noChangeAspect="1"/>
-          </p:cNvPicPr>
-          <p:nvPr/>
-        </p:nvPicPr>
-        <p:blipFill>
-          <a:blip r:embed="rId2"/>
-          <a:stretch>
-            <a:fillRect/>
-          </a:stretch>
-        </p:blipFill>
-        <p:spPr>
-          <a:xfrm>
-            <a:off x="129249" y="1322363"/>
-            <a:ext cx="4247204" cy="3539337"/>
-          </a:xfrm>
-          <a:prstGeom prst="rect">
-            <a:avLst/>
-          </a:prstGeom>
-        </p:spPr>
-      </p:pic>
-      <p:pic>
-        <p:nvPicPr>
-          <p:cNvPr id="9" name="図 8" descr="グラフ, 散布図&#10;&#10;自動的に生成された説明">
-            <a:extLst>
-              <a:ext uri="{FF2B5EF4-FFF2-40B4-BE49-F238E27FC236}">
-                <a16:creationId xmlns:a16="http://schemas.microsoft.com/office/drawing/2014/main" id="{89F1DEC4-0360-FF80-AFAC-DBD350C2D90D}"/>
-              </a:ext>
-            </a:extLst>
-          </p:cNvPr>
-          <p:cNvPicPr>
-            <a:picLocks noChangeAspect="1"/>
-          </p:cNvPicPr>
-          <p:nvPr/>
-        </p:nvPicPr>
-        <p:blipFill>
-          <a:blip r:embed="rId3"/>
-          <a:stretch>
-            <a:fillRect/>
-          </a:stretch>
-        </p:blipFill>
-        <p:spPr>
-          <a:xfrm>
-            <a:off x="4767548" y="1322363"/>
-            <a:ext cx="4247205" cy="3539337"/>
-          </a:xfrm>
-          <a:prstGeom prst="rect">
-            <a:avLst/>
-          </a:prstGeom>
-        </p:spPr>
-      </p:pic>
-    </p:spTree>
-    <p:extLst>
-      <p:ext uri="{BB962C8B-B14F-4D97-AF65-F5344CB8AC3E}">
-        <p14:creationId xmlns:p14="http://schemas.microsoft.com/office/powerpoint/2010/main" val="4273847624"/>
+        <p14:creationId xmlns:p14="http://schemas.microsoft.com/office/powerpoint/2010/main" val="3438606460"/>
       </p:ext>
     </p:extLst>
   </p:cSld>
